--- a/Lectures/py_lec_9.pptx
+++ b/Lectures/py_lec_9.pptx
@@ -1856,7 +1856,7 @@
           <a:blip r:embed="rId2">
             <a:lum/>
           </a:blip>
-          <a:srcRect l="0" t="-39759" r="-28057" b="0"/>
+          <a:srcRect l="0" t="-39759" r="-28056" b="0"/>
           <a:stretch/>
         </a:blipFill>
       </p:bgPr>
@@ -2246,7 +2246,7 @@
           <a:blip r:embed="rId2">
             <a:lum/>
           </a:blip>
-          <a:srcRect l="0" t="-14529" r="-35897" b="0"/>
+          <a:srcRect l="0" t="-14529" r="-35896" b="0"/>
           <a:stretch/>
         </a:blipFill>
       </p:bgPr>
@@ -7188,7 +7188,7 @@
           <a:blip r:embed="rId2">
             <a:lum/>
           </a:blip>
-          <a:srcRect l="0" t="0" r="-14529" b="0"/>
+          <a:srcRect l="0" t="0" r="-14528" b="0"/>
           <a:stretch/>
         </a:blipFill>
       </p:bgPr>
@@ -7326,7 +7326,7 @@
           <a:blip r:embed="rId2">
             <a:lum/>
           </a:blip>
-          <a:srcRect l="0" t="0" r="-14529" b="0"/>
+          <a:srcRect l="0" t="0" r="-14528" b="0"/>
           <a:stretch/>
         </a:blipFill>
       </p:bgPr>
@@ -8305,7 +8305,7 @@
           <a:blip r:embed="rId29">
             <a:lum/>
           </a:blip>
-          <a:srcRect l="0" t="0" r="-14529" b="0"/>
+          <a:srcRect l="0" t="0" r="-14528" b="0"/>
           <a:stretch/>
         </a:blipFill>
       </p:bgPr>
@@ -35382,7 +35382,7 @@
                 </a:solidFill>
                 <a:latin typeface="+mn-lt"/>
               </a:rPr>
-              <a:t>Одно из применений sys – чтение параметров переданных в программу при ее запуске</a:t>
+              <a:t>Одно из применений sys – чтение параметров, переданных в программу при ее запуске</a:t>
             </a:r>
             <a:r>
               <a:rPr lang="en-US" sz="2000">
